--- a/Time-Card/ДОКУМЕНТЫ/МАТЕРИАЛ СТАТЬИ/Применение в энергетике.pptx
+++ b/Time-Card/ДОКУМЕНТЫ/МАТЕРИАЛ СТАТЬИ/Применение в энергетике.pptx
@@ -224,7 +224,7 @@
           <a:p>
             <a:fld id="{CE10A841-C0A2-4DDE-BD50-CDE80D204315}" type="datetimeFigureOut">
               <a:rPr lang="ru-RU" smtClean="0"/>
-              <a:t>13.06.2024</a:t>
+              <a:t>14.06.2024</a:t>
             </a:fld>
             <a:endParaRPr lang="ru-RU"/>
           </a:p>
@@ -742,7 +742,7 @@
           <a:p>
             <a:fld id="{1D8BD707-D9CF-40AE-B4C6-C98DA3205C09}" type="datetimeFigureOut">
               <a:rPr lang="en-US" smtClean="0"/>
-              <a:t>6/13/2024</a:t>
+              <a:t>6/14/2024</a:t>
             </a:fld>
             <a:endParaRPr lang="en-US"/>
           </a:p>
@@ -940,7 +940,7 @@
           <a:p>
             <a:fld id="{1D8BD707-D9CF-40AE-B4C6-C98DA3205C09}" type="datetimeFigureOut">
               <a:rPr lang="en-US" smtClean="0"/>
-              <a:t>6/13/2024</a:t>
+              <a:t>6/14/2024</a:t>
             </a:fld>
             <a:endParaRPr lang="en-US"/>
           </a:p>
@@ -1148,7 +1148,7 @@
           <a:p>
             <a:fld id="{1D8BD707-D9CF-40AE-B4C6-C98DA3205C09}" type="datetimeFigureOut">
               <a:rPr lang="en-US" smtClean="0"/>
-              <a:t>6/13/2024</a:t>
+              <a:t>6/14/2024</a:t>
             </a:fld>
             <a:endParaRPr lang="en-US"/>
           </a:p>
@@ -1704,7 +1704,7 @@
           <a:p>
             <a:fld id="{1D8BD707-D9CF-40AE-B4C6-C98DA3205C09}" type="datetimeFigureOut">
               <a:rPr lang="en-US" smtClean="0"/>
-              <a:t>6/13/2024</a:t>
+              <a:t>6/14/2024</a:t>
             </a:fld>
             <a:endParaRPr lang="en-US"/>
           </a:p>
@@ -1979,7 +1979,7 @@
           <a:p>
             <a:fld id="{1D8BD707-D9CF-40AE-B4C6-C98DA3205C09}" type="datetimeFigureOut">
               <a:rPr lang="en-US" smtClean="0"/>
-              <a:t>6/13/2024</a:t>
+              <a:t>6/14/2024</a:t>
             </a:fld>
             <a:endParaRPr lang="en-US"/>
           </a:p>
@@ -2244,7 +2244,7 @@
           <a:p>
             <a:fld id="{1D8BD707-D9CF-40AE-B4C6-C98DA3205C09}" type="datetimeFigureOut">
               <a:rPr lang="en-US" smtClean="0"/>
-              <a:t>6/13/2024</a:t>
+              <a:t>6/14/2024</a:t>
             </a:fld>
             <a:endParaRPr lang="en-US"/>
           </a:p>
@@ -2656,7 +2656,7 @@
           <a:p>
             <a:fld id="{1D8BD707-D9CF-40AE-B4C6-C98DA3205C09}" type="datetimeFigureOut">
               <a:rPr lang="en-US" smtClean="0"/>
-              <a:t>6/13/2024</a:t>
+              <a:t>6/14/2024</a:t>
             </a:fld>
             <a:endParaRPr lang="en-US"/>
           </a:p>
@@ -2797,7 +2797,7 @@
           <a:p>
             <a:fld id="{1D8BD707-D9CF-40AE-B4C6-C98DA3205C09}" type="datetimeFigureOut">
               <a:rPr lang="en-US" smtClean="0"/>
-              <a:t>6/13/2024</a:t>
+              <a:t>6/14/2024</a:t>
             </a:fld>
             <a:endParaRPr lang="en-US"/>
           </a:p>
@@ -2910,7 +2910,7 @@
           <a:p>
             <a:fld id="{1D8BD707-D9CF-40AE-B4C6-C98DA3205C09}" type="datetimeFigureOut">
               <a:rPr lang="en-US" smtClean="0"/>
-              <a:t>6/13/2024</a:t>
+              <a:t>6/14/2024</a:t>
             </a:fld>
             <a:endParaRPr lang="en-US"/>
           </a:p>
@@ -3221,7 +3221,7 @@
           <a:p>
             <a:fld id="{1D8BD707-D9CF-40AE-B4C6-C98DA3205C09}" type="datetimeFigureOut">
               <a:rPr lang="en-US" smtClean="0"/>
-              <a:t>6/13/2024</a:t>
+              <a:t>6/14/2024</a:t>
             </a:fld>
             <a:endParaRPr lang="en-US"/>
           </a:p>
@@ -3509,7 +3509,7 @@
           <a:p>
             <a:fld id="{1D8BD707-D9CF-40AE-B4C6-C98DA3205C09}" type="datetimeFigureOut">
               <a:rPr lang="en-US" smtClean="0"/>
-              <a:t>6/13/2024</a:t>
+              <a:t>6/14/2024</a:t>
             </a:fld>
             <a:endParaRPr lang="en-US"/>
           </a:p>
@@ -3750,7 +3750,7 @@
           <a:p>
             <a:fld id="{1D8BD707-D9CF-40AE-B4C6-C98DA3205C09}" type="datetimeFigureOut">
               <a:rPr lang="en-US" smtClean="0"/>
-              <a:t>6/13/2024</a:t>
+              <a:t>6/14/2024</a:t>
             </a:fld>
             <a:endParaRPr lang="en-US"/>
           </a:p>
@@ -7373,8 +7373,8 @@
         </p:nvSpPr>
         <p:spPr>
           <a:xfrm>
-            <a:off x="266801" y="-14848"/>
-            <a:ext cx="3543935" cy="998350"/>
+            <a:off x="838200" y="407536"/>
+            <a:ext cx="4479925" cy="505908"/>
           </a:xfrm>
           <a:prstGeom prst="rect">
             <a:avLst/>
@@ -7414,7 +7414,7 @@
         </p:nvSpPr>
         <p:spPr>
           <a:xfrm>
-            <a:off x="273202" y="1244853"/>
+            <a:off x="290181" y="1581719"/>
             <a:ext cx="3387090" cy="330835"/>
           </a:xfrm>
           <a:prstGeom prst="rect">

--- a/Time-Card/ДОКУМЕНТЫ/МАТЕРИАЛ СТАТЬИ/Применение в энергетике.pptx
+++ b/Time-Card/ДОКУМЕНТЫ/МАТЕРИАЛ СТАТЬИ/Применение в энергетике.pptx
@@ -224,7 +224,7 @@
           <a:p>
             <a:fld id="{CE10A841-C0A2-4DDE-BD50-CDE80D204315}" type="datetimeFigureOut">
               <a:rPr lang="ru-RU" smtClean="0"/>
-              <a:t>14.06.2024</a:t>
+              <a:t>16.06.2024</a:t>
             </a:fld>
             <a:endParaRPr lang="ru-RU"/>
           </a:p>
@@ -742,7 +742,7 @@
           <a:p>
             <a:fld id="{1D8BD707-D9CF-40AE-B4C6-C98DA3205C09}" type="datetimeFigureOut">
               <a:rPr lang="en-US" smtClean="0"/>
-              <a:t>6/14/2024</a:t>
+              <a:t>6/16/2024</a:t>
             </a:fld>
             <a:endParaRPr lang="en-US"/>
           </a:p>
@@ -940,7 +940,7 @@
           <a:p>
             <a:fld id="{1D8BD707-D9CF-40AE-B4C6-C98DA3205C09}" type="datetimeFigureOut">
               <a:rPr lang="en-US" smtClean="0"/>
-              <a:t>6/14/2024</a:t>
+              <a:t>6/16/2024</a:t>
             </a:fld>
             <a:endParaRPr lang="en-US"/>
           </a:p>
@@ -1148,7 +1148,7 @@
           <a:p>
             <a:fld id="{1D8BD707-D9CF-40AE-B4C6-C98DA3205C09}" type="datetimeFigureOut">
               <a:rPr lang="en-US" smtClean="0"/>
-              <a:t>6/14/2024</a:t>
+              <a:t>6/16/2024</a:t>
             </a:fld>
             <a:endParaRPr lang="en-US"/>
           </a:p>
@@ -1704,7 +1704,7 @@
           <a:p>
             <a:fld id="{1D8BD707-D9CF-40AE-B4C6-C98DA3205C09}" type="datetimeFigureOut">
               <a:rPr lang="en-US" smtClean="0"/>
-              <a:t>6/14/2024</a:t>
+              <a:t>6/16/2024</a:t>
             </a:fld>
             <a:endParaRPr lang="en-US"/>
           </a:p>
@@ -1979,7 +1979,7 @@
           <a:p>
             <a:fld id="{1D8BD707-D9CF-40AE-B4C6-C98DA3205C09}" type="datetimeFigureOut">
               <a:rPr lang="en-US" smtClean="0"/>
-              <a:t>6/14/2024</a:t>
+              <a:t>6/16/2024</a:t>
             </a:fld>
             <a:endParaRPr lang="en-US"/>
           </a:p>
@@ -2244,7 +2244,7 @@
           <a:p>
             <a:fld id="{1D8BD707-D9CF-40AE-B4C6-C98DA3205C09}" type="datetimeFigureOut">
               <a:rPr lang="en-US" smtClean="0"/>
-              <a:t>6/14/2024</a:t>
+              <a:t>6/16/2024</a:t>
             </a:fld>
             <a:endParaRPr lang="en-US"/>
           </a:p>
@@ -2656,7 +2656,7 @@
           <a:p>
             <a:fld id="{1D8BD707-D9CF-40AE-B4C6-C98DA3205C09}" type="datetimeFigureOut">
               <a:rPr lang="en-US" smtClean="0"/>
-              <a:t>6/14/2024</a:t>
+              <a:t>6/16/2024</a:t>
             </a:fld>
             <a:endParaRPr lang="en-US"/>
           </a:p>
@@ -2797,7 +2797,7 @@
           <a:p>
             <a:fld id="{1D8BD707-D9CF-40AE-B4C6-C98DA3205C09}" type="datetimeFigureOut">
               <a:rPr lang="en-US" smtClean="0"/>
-              <a:t>6/14/2024</a:t>
+              <a:t>6/16/2024</a:t>
             </a:fld>
             <a:endParaRPr lang="en-US"/>
           </a:p>
@@ -2910,7 +2910,7 @@
           <a:p>
             <a:fld id="{1D8BD707-D9CF-40AE-B4C6-C98DA3205C09}" type="datetimeFigureOut">
               <a:rPr lang="en-US" smtClean="0"/>
-              <a:t>6/14/2024</a:t>
+              <a:t>6/16/2024</a:t>
             </a:fld>
             <a:endParaRPr lang="en-US"/>
           </a:p>
@@ -3221,7 +3221,7 @@
           <a:p>
             <a:fld id="{1D8BD707-D9CF-40AE-B4C6-C98DA3205C09}" type="datetimeFigureOut">
               <a:rPr lang="en-US" smtClean="0"/>
-              <a:t>6/14/2024</a:t>
+              <a:t>6/16/2024</a:t>
             </a:fld>
             <a:endParaRPr lang="en-US"/>
           </a:p>
@@ -3509,7 +3509,7 @@
           <a:p>
             <a:fld id="{1D8BD707-D9CF-40AE-B4C6-C98DA3205C09}" type="datetimeFigureOut">
               <a:rPr lang="en-US" smtClean="0"/>
-              <a:t>6/14/2024</a:t>
+              <a:t>6/16/2024</a:t>
             </a:fld>
             <a:endParaRPr lang="en-US"/>
           </a:p>
@@ -3750,7 +3750,7 @@
           <a:p>
             <a:fld id="{1D8BD707-D9CF-40AE-B4C6-C98DA3205C09}" type="datetimeFigureOut">
               <a:rPr lang="en-US" smtClean="0"/>
-              <a:t>6/14/2024</a:t>
+              <a:t>6/16/2024</a:t>
             </a:fld>
             <a:endParaRPr lang="en-US"/>
           </a:p>
@@ -12278,7 +12278,7 @@
         </p:nvSpPr>
         <p:spPr>
           <a:xfrm>
-            <a:off x="304800" y="1905000"/>
+            <a:off x="403301" y="2286000"/>
             <a:ext cx="11385398" cy="1898597"/>
           </a:xfrm>
           <a:prstGeom prst="rect">
@@ -23781,14 +23781,14 @@
           <p:nvPr>
             <p:extLst>
               <p:ext uri="{D42A27DB-BD31-4B8C-83A1-F6EECF244321}">
-                <p14:modId xmlns:p14="http://schemas.microsoft.com/office/powerpoint/2010/main" val="573600438"/>
+                <p14:modId xmlns:p14="http://schemas.microsoft.com/office/powerpoint/2010/main" val="2645772523"/>
               </p:ext>
             </p:extLst>
           </p:nvPr>
         </p:nvGraphicFramePr>
         <p:xfrm>
-          <a:off x="690778" y="5396237"/>
-          <a:ext cx="10891623" cy="1011245"/>
+          <a:off x="310894" y="5400545"/>
+          <a:ext cx="11353801" cy="661320"/>
         </p:xfrm>
         <a:graphic>
           <a:graphicData uri="http://schemas.openxmlformats.org/drawingml/2006/table">
@@ -23797,28 +23797,28 @@
                 <a:tableStyleId>{2D5ABB26-0587-4C30-8999-92F81FD0307C}</a:tableStyleId>
               </a:tblPr>
               <a:tblGrid>
-                <a:gridCol w="2334654">
+                <a:gridCol w="2433723">
                   <a:extLst>
                     <a:ext uri="{9D8B030D-6E8A-4147-A177-3AD203B41FA5}">
                       <a16:colId xmlns:a16="http://schemas.microsoft.com/office/drawing/2014/main" val="20000"/>
                     </a:ext>
                   </a:extLst>
                 </a:gridCol>
-                <a:gridCol w="3166353">
+                <a:gridCol w="3300715">
                   <a:extLst>
                     <a:ext uri="{9D8B030D-6E8A-4147-A177-3AD203B41FA5}">
                       <a16:colId xmlns:a16="http://schemas.microsoft.com/office/drawing/2014/main" val="20001"/>
                     </a:ext>
                   </a:extLst>
                 </a:gridCol>
-                <a:gridCol w="3111500">
+                <a:gridCol w="3243534">
                   <a:extLst>
                     <a:ext uri="{9D8B030D-6E8A-4147-A177-3AD203B41FA5}">
                       <a16:colId xmlns:a16="http://schemas.microsoft.com/office/drawing/2014/main" val="20002"/>
                     </a:ext>
                   </a:extLst>
                 </a:gridCol>
-                <a:gridCol w="2279116">
+                <a:gridCol w="2375829">
                   <a:extLst>
                     <a:ext uri="{9D8B030D-6E8A-4147-A177-3AD203B41FA5}">
                       <a16:colId xmlns:a16="http://schemas.microsoft.com/office/drawing/2014/main" val="20003"/>

--- a/Time-Card/ДОКУМЕНТЫ/МАТЕРИАЛ СТАТЬИ/Применение в энергетике.pptx
+++ b/Time-Card/ДОКУМЕНТЫ/МАТЕРИАЛ СТАТЬИ/Применение в энергетике.pptx
@@ -224,7 +224,7 @@
           <a:p>
             <a:fld id="{CE10A841-C0A2-4DDE-BD50-CDE80D204315}" type="datetimeFigureOut">
               <a:rPr lang="ru-RU" smtClean="0"/>
-              <a:t>16.06.2024</a:t>
+              <a:t>17.06.2024</a:t>
             </a:fld>
             <a:endParaRPr lang="ru-RU"/>
           </a:p>
@@ -742,7 +742,7 @@
           <a:p>
             <a:fld id="{1D8BD707-D9CF-40AE-B4C6-C98DA3205C09}" type="datetimeFigureOut">
               <a:rPr lang="en-US" smtClean="0"/>
-              <a:t>6/16/2024</a:t>
+              <a:t>6/17/2024</a:t>
             </a:fld>
             <a:endParaRPr lang="en-US"/>
           </a:p>
@@ -940,7 +940,7 @@
           <a:p>
             <a:fld id="{1D8BD707-D9CF-40AE-B4C6-C98DA3205C09}" type="datetimeFigureOut">
               <a:rPr lang="en-US" smtClean="0"/>
-              <a:t>6/16/2024</a:t>
+              <a:t>6/17/2024</a:t>
             </a:fld>
             <a:endParaRPr lang="en-US"/>
           </a:p>
@@ -1148,7 +1148,7 @@
           <a:p>
             <a:fld id="{1D8BD707-D9CF-40AE-B4C6-C98DA3205C09}" type="datetimeFigureOut">
               <a:rPr lang="en-US" smtClean="0"/>
-              <a:t>6/16/2024</a:t>
+              <a:t>6/17/2024</a:t>
             </a:fld>
             <a:endParaRPr lang="en-US"/>
           </a:p>
@@ -1704,7 +1704,7 @@
           <a:p>
             <a:fld id="{1D8BD707-D9CF-40AE-B4C6-C98DA3205C09}" type="datetimeFigureOut">
               <a:rPr lang="en-US" smtClean="0"/>
-              <a:t>6/16/2024</a:t>
+              <a:t>6/17/2024</a:t>
             </a:fld>
             <a:endParaRPr lang="en-US"/>
           </a:p>
@@ -1979,7 +1979,7 @@
           <a:p>
             <a:fld id="{1D8BD707-D9CF-40AE-B4C6-C98DA3205C09}" type="datetimeFigureOut">
               <a:rPr lang="en-US" smtClean="0"/>
-              <a:t>6/16/2024</a:t>
+              <a:t>6/17/2024</a:t>
             </a:fld>
             <a:endParaRPr lang="en-US"/>
           </a:p>
@@ -2244,7 +2244,7 @@
           <a:p>
             <a:fld id="{1D8BD707-D9CF-40AE-B4C6-C98DA3205C09}" type="datetimeFigureOut">
               <a:rPr lang="en-US" smtClean="0"/>
-              <a:t>6/16/2024</a:t>
+              <a:t>6/17/2024</a:t>
             </a:fld>
             <a:endParaRPr lang="en-US"/>
           </a:p>
@@ -2656,7 +2656,7 @@
           <a:p>
             <a:fld id="{1D8BD707-D9CF-40AE-B4C6-C98DA3205C09}" type="datetimeFigureOut">
               <a:rPr lang="en-US" smtClean="0"/>
-              <a:t>6/16/2024</a:t>
+              <a:t>6/17/2024</a:t>
             </a:fld>
             <a:endParaRPr lang="en-US"/>
           </a:p>
@@ -2797,7 +2797,7 @@
           <a:p>
             <a:fld id="{1D8BD707-D9CF-40AE-B4C6-C98DA3205C09}" type="datetimeFigureOut">
               <a:rPr lang="en-US" smtClean="0"/>
-              <a:t>6/16/2024</a:t>
+              <a:t>6/17/2024</a:t>
             </a:fld>
             <a:endParaRPr lang="en-US"/>
           </a:p>
@@ -2910,7 +2910,7 @@
           <a:p>
             <a:fld id="{1D8BD707-D9CF-40AE-B4C6-C98DA3205C09}" type="datetimeFigureOut">
               <a:rPr lang="en-US" smtClean="0"/>
-              <a:t>6/16/2024</a:t>
+              <a:t>6/17/2024</a:t>
             </a:fld>
             <a:endParaRPr lang="en-US"/>
           </a:p>
@@ -3221,7 +3221,7 @@
           <a:p>
             <a:fld id="{1D8BD707-D9CF-40AE-B4C6-C98DA3205C09}" type="datetimeFigureOut">
               <a:rPr lang="en-US" smtClean="0"/>
-              <a:t>6/16/2024</a:t>
+              <a:t>6/17/2024</a:t>
             </a:fld>
             <a:endParaRPr lang="en-US"/>
           </a:p>
@@ -3509,7 +3509,7 @@
           <a:p>
             <a:fld id="{1D8BD707-D9CF-40AE-B4C6-C98DA3205C09}" type="datetimeFigureOut">
               <a:rPr lang="en-US" smtClean="0"/>
-              <a:t>6/16/2024</a:t>
+              <a:t>6/17/2024</a:t>
             </a:fld>
             <a:endParaRPr lang="en-US"/>
           </a:p>
@@ -3750,7 +3750,7 @@
           <a:p>
             <a:fld id="{1D8BD707-D9CF-40AE-B4C6-C98DA3205C09}" type="datetimeFigureOut">
               <a:rPr lang="en-US" smtClean="0"/>
-              <a:t>6/16/2024</a:t>
+              <a:t>6/17/2024</a:t>
             </a:fld>
             <a:endParaRPr lang="en-US"/>
           </a:p>
@@ -4346,8 +4346,8 @@
         </p:nvSpPr>
         <p:spPr>
           <a:xfrm>
-            <a:off x="7448924" y="2489682"/>
-            <a:ext cx="4886669" cy="707886"/>
+            <a:off x="7620000" y="2769926"/>
+            <a:ext cx="4886669" cy="400110"/>
           </a:xfrm>
           <a:prstGeom prst="rect">
             <a:avLst/>
@@ -4368,19 +4368,6 @@
               <a:t>Время – это сердцебиение системы!</a:t>
             </a:r>
             <a:endParaRPr lang="en-US" sz="2000" i="1" dirty="0">
-              <a:latin typeface="Quattrocento Sans" panose="020B0604020202020204" charset="0"/>
-              <a:cs typeface="Quattrocento Sans" panose="020B0604020202020204" charset="0"/>
-            </a:endParaRPr>
-          </a:p>
-          <a:p>
-            <a:r>
-              <a:rPr lang="es-ES" sz="2000" i="1" dirty="0">
-                <a:latin typeface="Quattrocento Sans" panose="020B0604020202020204" charset="0"/>
-                <a:cs typeface="Quattrocento Sans" panose="020B0604020202020204" charset="0"/>
-              </a:rPr>
-              <a:t>El tiempo es el latido del sistema! </a:t>
-            </a:r>
-            <a:endParaRPr lang="ru-RU" sz="2000" i="1" dirty="0">
               <a:latin typeface="Quattrocento Sans" panose="020B0604020202020204" charset="0"/>
               <a:cs typeface="Quattrocento Sans" panose="020B0604020202020204" charset="0"/>
             </a:endParaRPr>
